--- a/ppt 16-9/1179.新生命王.pptx
+++ b/ppt 16-9/1179.新生命王.pptx
@@ -129,7 +129,7 @@
           <p:cNvPr id="2" name="标题 1">
             <a:extLst>
               <a:ext uri="{FF2B5EF4-FFF2-40B4-BE49-F238E27FC236}">
-                <a16:creationId xmlns:a16="http://schemas.microsoft.com/office/drawing/2014/main" id="{E257A7AC-B456-28BA-FD2F-F21A9021C2F2}"/>
+                <a16:creationId xmlns:a16="http://schemas.microsoft.com/office/drawing/2014/main" id="{2A8C81D2-A0F0-C88B-654A-8A2C9BE07B4D}"/>
               </a:ext>
             </a:extLst>
           </p:cNvPr>
@@ -166,7 +166,7 @@
           <p:cNvPr id="3" name="副标题 2">
             <a:extLst>
               <a:ext uri="{FF2B5EF4-FFF2-40B4-BE49-F238E27FC236}">
-                <a16:creationId xmlns:a16="http://schemas.microsoft.com/office/drawing/2014/main" id="{C51BAD5F-311B-8DEE-ECA9-F008578404D8}"/>
+                <a16:creationId xmlns:a16="http://schemas.microsoft.com/office/drawing/2014/main" id="{0CDDE8AE-98F9-A2A8-3EBE-B78C7371B6EE}"/>
               </a:ext>
             </a:extLst>
           </p:cNvPr>
@@ -236,7 +236,7 @@
           <p:cNvPr id="4" name="日期占位符 3">
             <a:extLst>
               <a:ext uri="{FF2B5EF4-FFF2-40B4-BE49-F238E27FC236}">
-                <a16:creationId xmlns:a16="http://schemas.microsoft.com/office/drawing/2014/main" id="{A07C2FDB-FCD4-F5DC-365E-588E6B899C49}"/>
+                <a16:creationId xmlns:a16="http://schemas.microsoft.com/office/drawing/2014/main" id="{1AD155A5-F302-01DF-CA32-98C6F25A4503}"/>
               </a:ext>
             </a:extLst>
           </p:cNvPr>
@@ -252,7 +252,7 @@
           <a:bodyPr/>
           <a:lstStyle/>
           <a:p>
-            <a:fld id="{63536634-E9B7-4B0D-BB5A-A4CF5ADFFC83}" type="datetimeFigureOut">
+            <a:fld id="{7C543B53-56F1-4A01-B750-B7E0CDC13B96}" type="datetimeFigureOut">
               <a:rPr lang="zh-CN" altLang="en-US" smtClean="0"/>
               <a:t>2024/3/10</a:t>
             </a:fld>
@@ -265,7 +265,7 @@
           <p:cNvPr id="5" name="页脚占位符 4">
             <a:extLst>
               <a:ext uri="{FF2B5EF4-FFF2-40B4-BE49-F238E27FC236}">
-                <a16:creationId xmlns:a16="http://schemas.microsoft.com/office/drawing/2014/main" id="{3F16168E-58A6-7450-38B0-5220D55291EB}"/>
+                <a16:creationId xmlns:a16="http://schemas.microsoft.com/office/drawing/2014/main" id="{A0F4A27C-B0C3-ED5F-F6D4-7C0A8CBB46FC}"/>
               </a:ext>
             </a:extLst>
           </p:cNvPr>
@@ -290,7 +290,7 @@
           <p:cNvPr id="6" name="灯片编号占位符 5">
             <a:extLst>
               <a:ext uri="{FF2B5EF4-FFF2-40B4-BE49-F238E27FC236}">
-                <a16:creationId xmlns:a16="http://schemas.microsoft.com/office/drawing/2014/main" id="{5B8BBB06-9DCB-FD6B-6F23-83C5AC5D3ACD}"/>
+                <a16:creationId xmlns:a16="http://schemas.microsoft.com/office/drawing/2014/main" id="{BD35405D-058B-456C-268A-A2F8405463E5}"/>
               </a:ext>
             </a:extLst>
           </p:cNvPr>
@@ -306,7 +306,7 @@
           <a:bodyPr/>
           <a:lstStyle/>
           <a:p>
-            <a:fld id="{B1945D36-B2D9-4469-B311-C89D5C56DB82}" type="slidenum">
+            <a:fld id="{492C9A0C-979C-4ED1-84B7-075BE8CE60D9}" type="slidenum">
               <a:rPr lang="zh-CN" altLang="en-US" smtClean="0"/>
               <a:t>‹#›</a:t>
             </a:fld>
@@ -317,7 +317,7 @@
     </p:spTree>
     <p:extLst>
       <p:ext uri="{BB962C8B-B14F-4D97-AF65-F5344CB8AC3E}">
-        <p14:creationId xmlns:p14="http://schemas.microsoft.com/office/powerpoint/2010/main" val="4146271007"/>
+        <p14:creationId xmlns:p14="http://schemas.microsoft.com/office/powerpoint/2010/main" val="2872519410"/>
       </p:ext>
     </p:extLst>
   </p:cSld>
@@ -349,7 +349,7 @@
           <p:cNvPr id="2" name="标题 1">
             <a:extLst>
               <a:ext uri="{FF2B5EF4-FFF2-40B4-BE49-F238E27FC236}">
-                <a16:creationId xmlns:a16="http://schemas.microsoft.com/office/drawing/2014/main" id="{861B64A4-A007-FA88-D815-1128242A1868}"/>
+                <a16:creationId xmlns:a16="http://schemas.microsoft.com/office/drawing/2014/main" id="{B3C69577-F732-CBEE-37D3-A658748DC70E}"/>
               </a:ext>
             </a:extLst>
           </p:cNvPr>
@@ -377,7 +377,7 @@
           <p:cNvPr id="3" name="竖排文字占位符 2">
             <a:extLst>
               <a:ext uri="{FF2B5EF4-FFF2-40B4-BE49-F238E27FC236}">
-                <a16:creationId xmlns:a16="http://schemas.microsoft.com/office/drawing/2014/main" id="{F38A44D0-7EEB-F06E-2426-EE312DE256CE}"/>
+                <a16:creationId xmlns:a16="http://schemas.microsoft.com/office/drawing/2014/main" id="{7F3E3FE0-153F-10E7-831D-15CFC625B6DB}"/>
               </a:ext>
             </a:extLst>
           </p:cNvPr>
@@ -434,7 +434,7 @@
           <p:cNvPr id="4" name="日期占位符 3">
             <a:extLst>
               <a:ext uri="{FF2B5EF4-FFF2-40B4-BE49-F238E27FC236}">
-                <a16:creationId xmlns:a16="http://schemas.microsoft.com/office/drawing/2014/main" id="{03C38865-AEA7-ED55-AAED-BC2BA76C4BBB}"/>
+                <a16:creationId xmlns:a16="http://schemas.microsoft.com/office/drawing/2014/main" id="{39378368-8245-B05E-ACA0-9CD3111BC838}"/>
               </a:ext>
             </a:extLst>
           </p:cNvPr>
@@ -450,7 +450,7 @@
           <a:bodyPr/>
           <a:lstStyle/>
           <a:p>
-            <a:fld id="{63536634-E9B7-4B0D-BB5A-A4CF5ADFFC83}" type="datetimeFigureOut">
+            <a:fld id="{7C543B53-56F1-4A01-B750-B7E0CDC13B96}" type="datetimeFigureOut">
               <a:rPr lang="zh-CN" altLang="en-US" smtClean="0"/>
               <a:t>2024/3/10</a:t>
             </a:fld>
@@ -463,7 +463,7 @@
           <p:cNvPr id="5" name="页脚占位符 4">
             <a:extLst>
               <a:ext uri="{FF2B5EF4-FFF2-40B4-BE49-F238E27FC236}">
-                <a16:creationId xmlns:a16="http://schemas.microsoft.com/office/drawing/2014/main" id="{73F9FE72-2F25-AD95-ED27-EFB780B86F8C}"/>
+                <a16:creationId xmlns:a16="http://schemas.microsoft.com/office/drawing/2014/main" id="{90519366-6B3C-D9BF-1ED2-293851598EBE}"/>
               </a:ext>
             </a:extLst>
           </p:cNvPr>
@@ -488,7 +488,7 @@
           <p:cNvPr id="6" name="灯片编号占位符 5">
             <a:extLst>
               <a:ext uri="{FF2B5EF4-FFF2-40B4-BE49-F238E27FC236}">
-                <a16:creationId xmlns:a16="http://schemas.microsoft.com/office/drawing/2014/main" id="{6FCBA1D0-D5FE-E143-A238-BB954CA8FDA3}"/>
+                <a16:creationId xmlns:a16="http://schemas.microsoft.com/office/drawing/2014/main" id="{858BE93D-CE33-A953-EA18-CCE1E0A12936}"/>
               </a:ext>
             </a:extLst>
           </p:cNvPr>
@@ -504,7 +504,7 @@
           <a:bodyPr/>
           <a:lstStyle/>
           <a:p>
-            <a:fld id="{B1945D36-B2D9-4469-B311-C89D5C56DB82}" type="slidenum">
+            <a:fld id="{492C9A0C-979C-4ED1-84B7-075BE8CE60D9}" type="slidenum">
               <a:rPr lang="zh-CN" altLang="en-US" smtClean="0"/>
               <a:t>‹#›</a:t>
             </a:fld>
@@ -515,7 +515,7 @@
     </p:spTree>
     <p:extLst>
       <p:ext uri="{BB962C8B-B14F-4D97-AF65-F5344CB8AC3E}">
-        <p14:creationId xmlns:p14="http://schemas.microsoft.com/office/powerpoint/2010/main" val="231613634"/>
+        <p14:creationId xmlns:p14="http://schemas.microsoft.com/office/powerpoint/2010/main" val="4259337801"/>
       </p:ext>
     </p:extLst>
   </p:cSld>
@@ -547,7 +547,7 @@
           <p:cNvPr id="2" name="竖排标题 1">
             <a:extLst>
               <a:ext uri="{FF2B5EF4-FFF2-40B4-BE49-F238E27FC236}">
-                <a16:creationId xmlns:a16="http://schemas.microsoft.com/office/drawing/2014/main" id="{9AEA3177-DF53-2332-2B07-8C2178FC365F}"/>
+                <a16:creationId xmlns:a16="http://schemas.microsoft.com/office/drawing/2014/main" id="{A72E44FC-C34E-6DD0-2813-8C28AF04D511}"/>
               </a:ext>
             </a:extLst>
           </p:cNvPr>
@@ -580,7 +580,7 @@
           <p:cNvPr id="3" name="竖排文字占位符 2">
             <a:extLst>
               <a:ext uri="{FF2B5EF4-FFF2-40B4-BE49-F238E27FC236}">
-                <a16:creationId xmlns:a16="http://schemas.microsoft.com/office/drawing/2014/main" id="{C0B20F20-E3BC-ED93-9722-BE0BD0B7D55C}"/>
+                <a16:creationId xmlns:a16="http://schemas.microsoft.com/office/drawing/2014/main" id="{D3AF2A63-7445-F1AF-8844-D54009C13F83}"/>
               </a:ext>
             </a:extLst>
           </p:cNvPr>
@@ -642,7 +642,7 @@
           <p:cNvPr id="4" name="日期占位符 3">
             <a:extLst>
               <a:ext uri="{FF2B5EF4-FFF2-40B4-BE49-F238E27FC236}">
-                <a16:creationId xmlns:a16="http://schemas.microsoft.com/office/drawing/2014/main" id="{54852A9F-0E31-1D8B-055F-71521DDE1367}"/>
+                <a16:creationId xmlns:a16="http://schemas.microsoft.com/office/drawing/2014/main" id="{34B762A4-C871-0C70-03F0-E734450A980E}"/>
               </a:ext>
             </a:extLst>
           </p:cNvPr>
@@ -658,7 +658,7 @@
           <a:bodyPr/>
           <a:lstStyle/>
           <a:p>
-            <a:fld id="{63536634-E9B7-4B0D-BB5A-A4CF5ADFFC83}" type="datetimeFigureOut">
+            <a:fld id="{7C543B53-56F1-4A01-B750-B7E0CDC13B96}" type="datetimeFigureOut">
               <a:rPr lang="zh-CN" altLang="en-US" smtClean="0"/>
               <a:t>2024/3/10</a:t>
             </a:fld>
@@ -671,7 +671,7 @@
           <p:cNvPr id="5" name="页脚占位符 4">
             <a:extLst>
               <a:ext uri="{FF2B5EF4-FFF2-40B4-BE49-F238E27FC236}">
-                <a16:creationId xmlns:a16="http://schemas.microsoft.com/office/drawing/2014/main" id="{2D66C26E-9A19-3150-D6FF-4C4B9B72E6C0}"/>
+                <a16:creationId xmlns:a16="http://schemas.microsoft.com/office/drawing/2014/main" id="{940B17EB-79BE-6199-9D58-0AA6878C4E0F}"/>
               </a:ext>
             </a:extLst>
           </p:cNvPr>
@@ -696,7 +696,7 @@
           <p:cNvPr id="6" name="灯片编号占位符 5">
             <a:extLst>
               <a:ext uri="{FF2B5EF4-FFF2-40B4-BE49-F238E27FC236}">
-                <a16:creationId xmlns:a16="http://schemas.microsoft.com/office/drawing/2014/main" id="{BBF85C8F-BD88-5647-688D-5CF20341EC2F}"/>
+                <a16:creationId xmlns:a16="http://schemas.microsoft.com/office/drawing/2014/main" id="{83890906-1E9A-1763-44B7-8F5C70A55595}"/>
               </a:ext>
             </a:extLst>
           </p:cNvPr>
@@ -712,7 +712,7 @@
           <a:bodyPr/>
           <a:lstStyle/>
           <a:p>
-            <a:fld id="{B1945D36-B2D9-4469-B311-C89D5C56DB82}" type="slidenum">
+            <a:fld id="{492C9A0C-979C-4ED1-84B7-075BE8CE60D9}" type="slidenum">
               <a:rPr lang="zh-CN" altLang="en-US" smtClean="0"/>
               <a:t>‹#›</a:t>
             </a:fld>
@@ -723,7 +723,7 @@
     </p:spTree>
     <p:extLst>
       <p:ext uri="{BB962C8B-B14F-4D97-AF65-F5344CB8AC3E}">
-        <p14:creationId xmlns:p14="http://schemas.microsoft.com/office/powerpoint/2010/main" val="3054005543"/>
+        <p14:creationId xmlns:p14="http://schemas.microsoft.com/office/powerpoint/2010/main" val="2706076350"/>
       </p:ext>
     </p:extLst>
   </p:cSld>
@@ -755,7 +755,7 @@
           <p:cNvPr id="2" name="标题 1">
             <a:extLst>
               <a:ext uri="{FF2B5EF4-FFF2-40B4-BE49-F238E27FC236}">
-                <a16:creationId xmlns:a16="http://schemas.microsoft.com/office/drawing/2014/main" id="{27A34A96-9052-CFE6-010D-6A9D89F9C396}"/>
+                <a16:creationId xmlns:a16="http://schemas.microsoft.com/office/drawing/2014/main" id="{6A4F293F-51BF-C5B0-DEBB-990913B6EFF5}"/>
               </a:ext>
             </a:extLst>
           </p:cNvPr>
@@ -783,7 +783,7 @@
           <p:cNvPr id="3" name="内容占位符 2">
             <a:extLst>
               <a:ext uri="{FF2B5EF4-FFF2-40B4-BE49-F238E27FC236}">
-                <a16:creationId xmlns:a16="http://schemas.microsoft.com/office/drawing/2014/main" id="{7AE9E7DC-62A7-4646-2E81-F78D91DE4238}"/>
+                <a16:creationId xmlns:a16="http://schemas.microsoft.com/office/drawing/2014/main" id="{67D0F62E-1AB3-E7DA-1A69-1084CF5A2B87}"/>
               </a:ext>
             </a:extLst>
           </p:cNvPr>
@@ -840,7 +840,7 @@
           <p:cNvPr id="4" name="日期占位符 3">
             <a:extLst>
               <a:ext uri="{FF2B5EF4-FFF2-40B4-BE49-F238E27FC236}">
-                <a16:creationId xmlns:a16="http://schemas.microsoft.com/office/drawing/2014/main" id="{7217496B-935C-1DE3-B1AD-4D9D7F61F843}"/>
+                <a16:creationId xmlns:a16="http://schemas.microsoft.com/office/drawing/2014/main" id="{F4033D75-29F4-39BB-977A-92E4C5B921D0}"/>
               </a:ext>
             </a:extLst>
           </p:cNvPr>
@@ -856,7 +856,7 @@
           <a:bodyPr/>
           <a:lstStyle/>
           <a:p>
-            <a:fld id="{63536634-E9B7-4B0D-BB5A-A4CF5ADFFC83}" type="datetimeFigureOut">
+            <a:fld id="{7C543B53-56F1-4A01-B750-B7E0CDC13B96}" type="datetimeFigureOut">
               <a:rPr lang="zh-CN" altLang="en-US" smtClean="0"/>
               <a:t>2024/3/10</a:t>
             </a:fld>
@@ -869,7 +869,7 @@
           <p:cNvPr id="5" name="页脚占位符 4">
             <a:extLst>
               <a:ext uri="{FF2B5EF4-FFF2-40B4-BE49-F238E27FC236}">
-                <a16:creationId xmlns:a16="http://schemas.microsoft.com/office/drawing/2014/main" id="{7315DEDF-C6A1-40E8-CB74-5A47A7FEECE5}"/>
+                <a16:creationId xmlns:a16="http://schemas.microsoft.com/office/drawing/2014/main" id="{5AF36E7E-2723-2A30-2270-96B8C24A8D74}"/>
               </a:ext>
             </a:extLst>
           </p:cNvPr>
@@ -894,7 +894,7 @@
           <p:cNvPr id="6" name="灯片编号占位符 5">
             <a:extLst>
               <a:ext uri="{FF2B5EF4-FFF2-40B4-BE49-F238E27FC236}">
-                <a16:creationId xmlns:a16="http://schemas.microsoft.com/office/drawing/2014/main" id="{B99AC4B3-4FBE-9DE2-56D8-C700D5253310}"/>
+                <a16:creationId xmlns:a16="http://schemas.microsoft.com/office/drawing/2014/main" id="{5585880B-3CF0-201A-33F1-15E5132A7E90}"/>
               </a:ext>
             </a:extLst>
           </p:cNvPr>
@@ -910,7 +910,7 @@
           <a:bodyPr/>
           <a:lstStyle/>
           <a:p>
-            <a:fld id="{B1945D36-B2D9-4469-B311-C89D5C56DB82}" type="slidenum">
+            <a:fld id="{492C9A0C-979C-4ED1-84B7-075BE8CE60D9}" type="slidenum">
               <a:rPr lang="zh-CN" altLang="en-US" smtClean="0"/>
               <a:t>‹#›</a:t>
             </a:fld>
@@ -921,7 +921,7 @@
     </p:spTree>
     <p:extLst>
       <p:ext uri="{BB962C8B-B14F-4D97-AF65-F5344CB8AC3E}">
-        <p14:creationId xmlns:p14="http://schemas.microsoft.com/office/powerpoint/2010/main" val="2310575788"/>
+        <p14:creationId xmlns:p14="http://schemas.microsoft.com/office/powerpoint/2010/main" val="2904035787"/>
       </p:ext>
     </p:extLst>
   </p:cSld>
@@ -953,7 +953,7 @@
           <p:cNvPr id="2" name="标题 1">
             <a:extLst>
               <a:ext uri="{FF2B5EF4-FFF2-40B4-BE49-F238E27FC236}">
-                <a16:creationId xmlns:a16="http://schemas.microsoft.com/office/drawing/2014/main" id="{D93CD948-C980-A0B1-822F-CD3AFC903D72}"/>
+                <a16:creationId xmlns:a16="http://schemas.microsoft.com/office/drawing/2014/main" id="{394B13E4-9B57-6B47-4064-FEBEDB0B3E87}"/>
               </a:ext>
             </a:extLst>
           </p:cNvPr>
@@ -990,7 +990,7 @@
           <p:cNvPr id="3" name="文本占位符 2">
             <a:extLst>
               <a:ext uri="{FF2B5EF4-FFF2-40B4-BE49-F238E27FC236}">
-                <a16:creationId xmlns:a16="http://schemas.microsoft.com/office/drawing/2014/main" id="{39DD8BA2-63E6-008A-26D3-BD991FCFCE1B}"/>
+                <a16:creationId xmlns:a16="http://schemas.microsoft.com/office/drawing/2014/main" id="{8038762A-2D88-0467-F52B-100616A7A059}"/>
               </a:ext>
             </a:extLst>
           </p:cNvPr>
@@ -1115,7 +1115,7 @@
           <p:cNvPr id="4" name="日期占位符 3">
             <a:extLst>
               <a:ext uri="{FF2B5EF4-FFF2-40B4-BE49-F238E27FC236}">
-                <a16:creationId xmlns:a16="http://schemas.microsoft.com/office/drawing/2014/main" id="{5D13209A-7D2B-A770-BCBC-F2A1B915BBEA}"/>
+                <a16:creationId xmlns:a16="http://schemas.microsoft.com/office/drawing/2014/main" id="{5900BFE2-BA74-94C8-9137-3CA021DC32EB}"/>
               </a:ext>
             </a:extLst>
           </p:cNvPr>
@@ -1131,7 +1131,7 @@
           <a:bodyPr/>
           <a:lstStyle/>
           <a:p>
-            <a:fld id="{63536634-E9B7-4B0D-BB5A-A4CF5ADFFC83}" type="datetimeFigureOut">
+            <a:fld id="{7C543B53-56F1-4A01-B750-B7E0CDC13B96}" type="datetimeFigureOut">
               <a:rPr lang="zh-CN" altLang="en-US" smtClean="0"/>
               <a:t>2024/3/10</a:t>
             </a:fld>
@@ -1144,7 +1144,7 @@
           <p:cNvPr id="5" name="页脚占位符 4">
             <a:extLst>
               <a:ext uri="{FF2B5EF4-FFF2-40B4-BE49-F238E27FC236}">
-                <a16:creationId xmlns:a16="http://schemas.microsoft.com/office/drawing/2014/main" id="{A2C18FE7-687D-CC5B-C87A-D7F58E31E43D}"/>
+                <a16:creationId xmlns:a16="http://schemas.microsoft.com/office/drawing/2014/main" id="{ACF81554-583F-6230-E1EA-2769B2995E12}"/>
               </a:ext>
             </a:extLst>
           </p:cNvPr>
@@ -1169,7 +1169,7 @@
           <p:cNvPr id="6" name="灯片编号占位符 5">
             <a:extLst>
               <a:ext uri="{FF2B5EF4-FFF2-40B4-BE49-F238E27FC236}">
-                <a16:creationId xmlns:a16="http://schemas.microsoft.com/office/drawing/2014/main" id="{4FDEE8DA-7AA7-262B-B0B9-4FC0A13F50F2}"/>
+                <a16:creationId xmlns:a16="http://schemas.microsoft.com/office/drawing/2014/main" id="{75E28CCB-8C72-5099-42D5-A6EA355307FD}"/>
               </a:ext>
             </a:extLst>
           </p:cNvPr>
@@ -1185,7 +1185,7 @@
           <a:bodyPr/>
           <a:lstStyle/>
           <a:p>
-            <a:fld id="{B1945D36-B2D9-4469-B311-C89D5C56DB82}" type="slidenum">
+            <a:fld id="{492C9A0C-979C-4ED1-84B7-075BE8CE60D9}" type="slidenum">
               <a:rPr lang="zh-CN" altLang="en-US" smtClean="0"/>
               <a:t>‹#›</a:t>
             </a:fld>
@@ -1196,7 +1196,7 @@
     </p:spTree>
     <p:extLst>
       <p:ext uri="{BB962C8B-B14F-4D97-AF65-F5344CB8AC3E}">
-        <p14:creationId xmlns:p14="http://schemas.microsoft.com/office/powerpoint/2010/main" val="2668916926"/>
+        <p14:creationId xmlns:p14="http://schemas.microsoft.com/office/powerpoint/2010/main" val="2632920485"/>
       </p:ext>
     </p:extLst>
   </p:cSld>
@@ -1228,7 +1228,7 @@
           <p:cNvPr id="2" name="标题 1">
             <a:extLst>
               <a:ext uri="{FF2B5EF4-FFF2-40B4-BE49-F238E27FC236}">
-                <a16:creationId xmlns:a16="http://schemas.microsoft.com/office/drawing/2014/main" id="{4D0FE56B-C8E0-25A5-38CF-071D28A92D5F}"/>
+                <a16:creationId xmlns:a16="http://schemas.microsoft.com/office/drawing/2014/main" id="{87415B2F-B414-2B5E-2858-149A36361F8F}"/>
               </a:ext>
             </a:extLst>
           </p:cNvPr>
@@ -1256,7 +1256,7 @@
           <p:cNvPr id="3" name="内容占位符 2">
             <a:extLst>
               <a:ext uri="{FF2B5EF4-FFF2-40B4-BE49-F238E27FC236}">
-                <a16:creationId xmlns:a16="http://schemas.microsoft.com/office/drawing/2014/main" id="{3DBE2741-785C-29FA-0B38-3A93D34324E3}"/>
+                <a16:creationId xmlns:a16="http://schemas.microsoft.com/office/drawing/2014/main" id="{BC6DC04B-C58E-BD6D-6980-F0F6706A6B5D}"/>
               </a:ext>
             </a:extLst>
           </p:cNvPr>
@@ -1318,7 +1318,7 @@
           <p:cNvPr id="4" name="内容占位符 3">
             <a:extLst>
               <a:ext uri="{FF2B5EF4-FFF2-40B4-BE49-F238E27FC236}">
-                <a16:creationId xmlns:a16="http://schemas.microsoft.com/office/drawing/2014/main" id="{DEFB9E2F-1E20-2317-FC76-E18559F76284}"/>
+                <a16:creationId xmlns:a16="http://schemas.microsoft.com/office/drawing/2014/main" id="{ABFA8433-2252-EF7C-5371-86B1B9C79CB8}"/>
               </a:ext>
             </a:extLst>
           </p:cNvPr>
@@ -1380,7 +1380,7 @@
           <p:cNvPr id="5" name="日期占位符 4">
             <a:extLst>
               <a:ext uri="{FF2B5EF4-FFF2-40B4-BE49-F238E27FC236}">
-                <a16:creationId xmlns:a16="http://schemas.microsoft.com/office/drawing/2014/main" id="{50B3AAEA-FD25-636E-1A0F-98C603C9636D}"/>
+                <a16:creationId xmlns:a16="http://schemas.microsoft.com/office/drawing/2014/main" id="{7C1C3B3B-1709-5979-F601-40CD4DBFC8E8}"/>
               </a:ext>
             </a:extLst>
           </p:cNvPr>
@@ -1396,7 +1396,7 @@
           <a:bodyPr/>
           <a:lstStyle/>
           <a:p>
-            <a:fld id="{63536634-E9B7-4B0D-BB5A-A4CF5ADFFC83}" type="datetimeFigureOut">
+            <a:fld id="{7C543B53-56F1-4A01-B750-B7E0CDC13B96}" type="datetimeFigureOut">
               <a:rPr lang="zh-CN" altLang="en-US" smtClean="0"/>
               <a:t>2024/3/10</a:t>
             </a:fld>
@@ -1409,7 +1409,7 @@
           <p:cNvPr id="6" name="页脚占位符 5">
             <a:extLst>
               <a:ext uri="{FF2B5EF4-FFF2-40B4-BE49-F238E27FC236}">
-                <a16:creationId xmlns:a16="http://schemas.microsoft.com/office/drawing/2014/main" id="{A6B7FAEA-BE38-041C-AB77-F008E700AD4D}"/>
+                <a16:creationId xmlns:a16="http://schemas.microsoft.com/office/drawing/2014/main" id="{B452C43E-EAD9-4412-0FE7-626B54AF282C}"/>
               </a:ext>
             </a:extLst>
           </p:cNvPr>
@@ -1434,7 +1434,7 @@
           <p:cNvPr id="7" name="灯片编号占位符 6">
             <a:extLst>
               <a:ext uri="{FF2B5EF4-FFF2-40B4-BE49-F238E27FC236}">
-                <a16:creationId xmlns:a16="http://schemas.microsoft.com/office/drawing/2014/main" id="{6B9AE8E2-A817-F405-9F31-08C77F039DE6}"/>
+                <a16:creationId xmlns:a16="http://schemas.microsoft.com/office/drawing/2014/main" id="{D332C96B-CCFD-A3E6-9B4D-2A305CE47C1B}"/>
               </a:ext>
             </a:extLst>
           </p:cNvPr>
@@ -1450,7 +1450,7 @@
           <a:bodyPr/>
           <a:lstStyle/>
           <a:p>
-            <a:fld id="{B1945D36-B2D9-4469-B311-C89D5C56DB82}" type="slidenum">
+            <a:fld id="{492C9A0C-979C-4ED1-84B7-075BE8CE60D9}" type="slidenum">
               <a:rPr lang="zh-CN" altLang="en-US" smtClean="0"/>
               <a:t>‹#›</a:t>
             </a:fld>
@@ -1461,7 +1461,7 @@
     </p:spTree>
     <p:extLst>
       <p:ext uri="{BB962C8B-B14F-4D97-AF65-F5344CB8AC3E}">
-        <p14:creationId xmlns:p14="http://schemas.microsoft.com/office/powerpoint/2010/main" val="2348981672"/>
+        <p14:creationId xmlns:p14="http://schemas.microsoft.com/office/powerpoint/2010/main" val="3056797911"/>
       </p:ext>
     </p:extLst>
   </p:cSld>
@@ -1493,7 +1493,7 @@
           <p:cNvPr id="2" name="标题 1">
             <a:extLst>
               <a:ext uri="{FF2B5EF4-FFF2-40B4-BE49-F238E27FC236}">
-                <a16:creationId xmlns:a16="http://schemas.microsoft.com/office/drawing/2014/main" id="{40B20984-A084-934D-5F44-18DE6062ECDA}"/>
+                <a16:creationId xmlns:a16="http://schemas.microsoft.com/office/drawing/2014/main" id="{05824A17-E35D-CA46-39E5-44740266387C}"/>
               </a:ext>
             </a:extLst>
           </p:cNvPr>
@@ -1526,7 +1526,7 @@
           <p:cNvPr id="3" name="文本占位符 2">
             <a:extLst>
               <a:ext uri="{FF2B5EF4-FFF2-40B4-BE49-F238E27FC236}">
-                <a16:creationId xmlns:a16="http://schemas.microsoft.com/office/drawing/2014/main" id="{3A4757FC-5E16-3B59-BB49-DE2776D6E119}"/>
+                <a16:creationId xmlns:a16="http://schemas.microsoft.com/office/drawing/2014/main" id="{60A5E869-C899-7DC9-83B2-893D1A60E7FF}"/>
               </a:ext>
             </a:extLst>
           </p:cNvPr>
@@ -1597,7 +1597,7 @@
           <p:cNvPr id="4" name="内容占位符 3">
             <a:extLst>
               <a:ext uri="{FF2B5EF4-FFF2-40B4-BE49-F238E27FC236}">
-                <a16:creationId xmlns:a16="http://schemas.microsoft.com/office/drawing/2014/main" id="{2C0069D4-3CD6-0D06-5663-36071F2D7CB5}"/>
+                <a16:creationId xmlns:a16="http://schemas.microsoft.com/office/drawing/2014/main" id="{B4B7B809-AF43-F65E-C383-8458E25C0F18}"/>
               </a:ext>
             </a:extLst>
           </p:cNvPr>
@@ -1659,7 +1659,7 @@
           <p:cNvPr id="5" name="文本占位符 4">
             <a:extLst>
               <a:ext uri="{FF2B5EF4-FFF2-40B4-BE49-F238E27FC236}">
-                <a16:creationId xmlns:a16="http://schemas.microsoft.com/office/drawing/2014/main" id="{FCEEFD4D-3F03-FBCE-AF9A-2387FEBCD0DB}"/>
+                <a16:creationId xmlns:a16="http://schemas.microsoft.com/office/drawing/2014/main" id="{75C19F80-5DB4-4A2C-EEFF-A715ECE71E17}"/>
               </a:ext>
             </a:extLst>
           </p:cNvPr>
@@ -1730,7 +1730,7 @@
           <p:cNvPr id="6" name="内容占位符 5">
             <a:extLst>
               <a:ext uri="{FF2B5EF4-FFF2-40B4-BE49-F238E27FC236}">
-                <a16:creationId xmlns:a16="http://schemas.microsoft.com/office/drawing/2014/main" id="{037F9DC3-02F4-3303-5734-34F5F7194420}"/>
+                <a16:creationId xmlns:a16="http://schemas.microsoft.com/office/drawing/2014/main" id="{215CB998-D317-D926-165C-E4D9818662F3}"/>
               </a:ext>
             </a:extLst>
           </p:cNvPr>
@@ -1792,7 +1792,7 @@
           <p:cNvPr id="7" name="日期占位符 6">
             <a:extLst>
               <a:ext uri="{FF2B5EF4-FFF2-40B4-BE49-F238E27FC236}">
-                <a16:creationId xmlns:a16="http://schemas.microsoft.com/office/drawing/2014/main" id="{52561BEB-AAA7-5C3B-E148-2DFBB6497F09}"/>
+                <a16:creationId xmlns:a16="http://schemas.microsoft.com/office/drawing/2014/main" id="{D241A031-69AC-D908-E667-7FE5C9145B79}"/>
               </a:ext>
             </a:extLst>
           </p:cNvPr>
@@ -1808,7 +1808,7 @@
           <a:bodyPr/>
           <a:lstStyle/>
           <a:p>
-            <a:fld id="{63536634-E9B7-4B0D-BB5A-A4CF5ADFFC83}" type="datetimeFigureOut">
+            <a:fld id="{7C543B53-56F1-4A01-B750-B7E0CDC13B96}" type="datetimeFigureOut">
               <a:rPr lang="zh-CN" altLang="en-US" smtClean="0"/>
               <a:t>2024/3/10</a:t>
             </a:fld>
@@ -1821,7 +1821,7 @@
           <p:cNvPr id="8" name="页脚占位符 7">
             <a:extLst>
               <a:ext uri="{FF2B5EF4-FFF2-40B4-BE49-F238E27FC236}">
-                <a16:creationId xmlns:a16="http://schemas.microsoft.com/office/drawing/2014/main" id="{80A21B92-E7D3-0878-6D4C-002AA98FDF12}"/>
+                <a16:creationId xmlns:a16="http://schemas.microsoft.com/office/drawing/2014/main" id="{7057B14C-E108-F4C4-A76B-F93453D61895}"/>
               </a:ext>
             </a:extLst>
           </p:cNvPr>
@@ -1846,7 +1846,7 @@
           <p:cNvPr id="9" name="灯片编号占位符 8">
             <a:extLst>
               <a:ext uri="{FF2B5EF4-FFF2-40B4-BE49-F238E27FC236}">
-                <a16:creationId xmlns:a16="http://schemas.microsoft.com/office/drawing/2014/main" id="{1814D9E4-C4FF-6E9D-1874-42932A82A93C}"/>
+                <a16:creationId xmlns:a16="http://schemas.microsoft.com/office/drawing/2014/main" id="{A84A75CA-CE25-24BB-233A-6A52CFA0EA78}"/>
               </a:ext>
             </a:extLst>
           </p:cNvPr>
@@ -1862,7 +1862,7 @@
           <a:bodyPr/>
           <a:lstStyle/>
           <a:p>
-            <a:fld id="{B1945D36-B2D9-4469-B311-C89D5C56DB82}" type="slidenum">
+            <a:fld id="{492C9A0C-979C-4ED1-84B7-075BE8CE60D9}" type="slidenum">
               <a:rPr lang="zh-CN" altLang="en-US" smtClean="0"/>
               <a:t>‹#›</a:t>
             </a:fld>
@@ -1873,7 +1873,7 @@
     </p:spTree>
     <p:extLst>
       <p:ext uri="{BB962C8B-B14F-4D97-AF65-F5344CB8AC3E}">
-        <p14:creationId xmlns:p14="http://schemas.microsoft.com/office/powerpoint/2010/main" val="1772321343"/>
+        <p14:creationId xmlns:p14="http://schemas.microsoft.com/office/powerpoint/2010/main" val="3061194184"/>
       </p:ext>
     </p:extLst>
   </p:cSld>
@@ -1905,7 +1905,7 @@
           <p:cNvPr id="2" name="标题 1">
             <a:extLst>
               <a:ext uri="{FF2B5EF4-FFF2-40B4-BE49-F238E27FC236}">
-                <a16:creationId xmlns:a16="http://schemas.microsoft.com/office/drawing/2014/main" id="{C30BCF39-F074-660C-8A62-0A5239C6B633}"/>
+                <a16:creationId xmlns:a16="http://schemas.microsoft.com/office/drawing/2014/main" id="{8D00F211-675E-F789-7488-339BD3938E72}"/>
               </a:ext>
             </a:extLst>
           </p:cNvPr>
@@ -1933,7 +1933,7 @@
           <p:cNvPr id="3" name="日期占位符 2">
             <a:extLst>
               <a:ext uri="{FF2B5EF4-FFF2-40B4-BE49-F238E27FC236}">
-                <a16:creationId xmlns:a16="http://schemas.microsoft.com/office/drawing/2014/main" id="{974C3FD9-7073-0A5A-19F6-0ABB360EDEC1}"/>
+                <a16:creationId xmlns:a16="http://schemas.microsoft.com/office/drawing/2014/main" id="{FFFF27D9-9E75-1505-E32C-FF922150E9F3}"/>
               </a:ext>
             </a:extLst>
           </p:cNvPr>
@@ -1949,7 +1949,7 @@
           <a:bodyPr/>
           <a:lstStyle/>
           <a:p>
-            <a:fld id="{63536634-E9B7-4B0D-BB5A-A4CF5ADFFC83}" type="datetimeFigureOut">
+            <a:fld id="{7C543B53-56F1-4A01-B750-B7E0CDC13B96}" type="datetimeFigureOut">
               <a:rPr lang="zh-CN" altLang="en-US" smtClean="0"/>
               <a:t>2024/3/10</a:t>
             </a:fld>
@@ -1962,7 +1962,7 @@
           <p:cNvPr id="4" name="页脚占位符 3">
             <a:extLst>
               <a:ext uri="{FF2B5EF4-FFF2-40B4-BE49-F238E27FC236}">
-                <a16:creationId xmlns:a16="http://schemas.microsoft.com/office/drawing/2014/main" id="{144DFD14-699D-1A2A-3F04-5507D22E1CD1}"/>
+                <a16:creationId xmlns:a16="http://schemas.microsoft.com/office/drawing/2014/main" id="{55406A59-D74A-EADB-F505-DC27B4A2ED84}"/>
               </a:ext>
             </a:extLst>
           </p:cNvPr>
@@ -1987,7 +1987,7 @@
           <p:cNvPr id="5" name="灯片编号占位符 4">
             <a:extLst>
               <a:ext uri="{FF2B5EF4-FFF2-40B4-BE49-F238E27FC236}">
-                <a16:creationId xmlns:a16="http://schemas.microsoft.com/office/drawing/2014/main" id="{4B9F2542-A7D7-B949-FEC9-C00C1CE040AF}"/>
+                <a16:creationId xmlns:a16="http://schemas.microsoft.com/office/drawing/2014/main" id="{F25E8C46-5F27-98CB-BB23-E674D2D013EE}"/>
               </a:ext>
             </a:extLst>
           </p:cNvPr>
@@ -2003,7 +2003,7 @@
           <a:bodyPr/>
           <a:lstStyle/>
           <a:p>
-            <a:fld id="{B1945D36-B2D9-4469-B311-C89D5C56DB82}" type="slidenum">
+            <a:fld id="{492C9A0C-979C-4ED1-84B7-075BE8CE60D9}" type="slidenum">
               <a:rPr lang="zh-CN" altLang="en-US" smtClean="0"/>
               <a:t>‹#›</a:t>
             </a:fld>
@@ -2014,7 +2014,7 @@
     </p:spTree>
     <p:extLst>
       <p:ext uri="{BB962C8B-B14F-4D97-AF65-F5344CB8AC3E}">
-        <p14:creationId xmlns:p14="http://schemas.microsoft.com/office/powerpoint/2010/main" val="2464540211"/>
+        <p14:creationId xmlns:p14="http://schemas.microsoft.com/office/powerpoint/2010/main" val="2680835321"/>
       </p:ext>
     </p:extLst>
   </p:cSld>
@@ -2046,7 +2046,7 @@
           <p:cNvPr id="2" name="日期占位符 1">
             <a:extLst>
               <a:ext uri="{FF2B5EF4-FFF2-40B4-BE49-F238E27FC236}">
-                <a16:creationId xmlns:a16="http://schemas.microsoft.com/office/drawing/2014/main" id="{5C4CA643-FAF6-9A9C-8B21-2F222BB175AD}"/>
+                <a16:creationId xmlns:a16="http://schemas.microsoft.com/office/drawing/2014/main" id="{7009FC4B-EADE-FB4E-FE5B-03F828062CE1}"/>
               </a:ext>
             </a:extLst>
           </p:cNvPr>
@@ -2062,7 +2062,7 @@
           <a:bodyPr/>
           <a:lstStyle/>
           <a:p>
-            <a:fld id="{63536634-E9B7-4B0D-BB5A-A4CF5ADFFC83}" type="datetimeFigureOut">
+            <a:fld id="{7C543B53-56F1-4A01-B750-B7E0CDC13B96}" type="datetimeFigureOut">
               <a:rPr lang="zh-CN" altLang="en-US" smtClean="0"/>
               <a:t>2024/3/10</a:t>
             </a:fld>
@@ -2075,7 +2075,7 @@
           <p:cNvPr id="3" name="页脚占位符 2">
             <a:extLst>
               <a:ext uri="{FF2B5EF4-FFF2-40B4-BE49-F238E27FC236}">
-                <a16:creationId xmlns:a16="http://schemas.microsoft.com/office/drawing/2014/main" id="{05FE216B-FC71-59B1-BA6D-EAC1DCB33C08}"/>
+                <a16:creationId xmlns:a16="http://schemas.microsoft.com/office/drawing/2014/main" id="{93EE18A3-EC6E-EB9E-6A0D-82C46F0DF68E}"/>
               </a:ext>
             </a:extLst>
           </p:cNvPr>
@@ -2100,7 +2100,7 @@
           <p:cNvPr id="4" name="灯片编号占位符 3">
             <a:extLst>
               <a:ext uri="{FF2B5EF4-FFF2-40B4-BE49-F238E27FC236}">
-                <a16:creationId xmlns:a16="http://schemas.microsoft.com/office/drawing/2014/main" id="{2882E8AD-BB03-BE35-38EC-E1E5B29D8EA7}"/>
+                <a16:creationId xmlns:a16="http://schemas.microsoft.com/office/drawing/2014/main" id="{09EB6D5A-B3F1-3659-1B64-4E8DEC6A6C96}"/>
               </a:ext>
             </a:extLst>
           </p:cNvPr>
@@ -2116,7 +2116,7 @@
           <a:bodyPr/>
           <a:lstStyle/>
           <a:p>
-            <a:fld id="{B1945D36-B2D9-4469-B311-C89D5C56DB82}" type="slidenum">
+            <a:fld id="{492C9A0C-979C-4ED1-84B7-075BE8CE60D9}" type="slidenum">
               <a:rPr lang="zh-CN" altLang="en-US" smtClean="0"/>
               <a:t>‹#›</a:t>
             </a:fld>
@@ -2127,7 +2127,7 @@
     </p:spTree>
     <p:extLst>
       <p:ext uri="{BB962C8B-B14F-4D97-AF65-F5344CB8AC3E}">
-        <p14:creationId xmlns:p14="http://schemas.microsoft.com/office/powerpoint/2010/main" val="1645673516"/>
+        <p14:creationId xmlns:p14="http://schemas.microsoft.com/office/powerpoint/2010/main" val="862121824"/>
       </p:ext>
     </p:extLst>
   </p:cSld>
@@ -2159,7 +2159,7 @@
           <p:cNvPr id="2" name="标题 1">
             <a:extLst>
               <a:ext uri="{FF2B5EF4-FFF2-40B4-BE49-F238E27FC236}">
-                <a16:creationId xmlns:a16="http://schemas.microsoft.com/office/drawing/2014/main" id="{EC664ED5-60F0-CF59-5601-2C8F9FC7031A}"/>
+                <a16:creationId xmlns:a16="http://schemas.microsoft.com/office/drawing/2014/main" id="{AC907B0E-B9F0-9079-EA3D-C41ED59E42B5}"/>
               </a:ext>
             </a:extLst>
           </p:cNvPr>
@@ -2196,7 +2196,7 @@
           <p:cNvPr id="3" name="内容占位符 2">
             <a:extLst>
               <a:ext uri="{FF2B5EF4-FFF2-40B4-BE49-F238E27FC236}">
-                <a16:creationId xmlns:a16="http://schemas.microsoft.com/office/drawing/2014/main" id="{4C6431DA-9E01-9A43-BDD6-3F836A001700}"/>
+                <a16:creationId xmlns:a16="http://schemas.microsoft.com/office/drawing/2014/main" id="{E2045CD2-8BB9-FCF2-10EB-9E7D8962EB66}"/>
               </a:ext>
             </a:extLst>
           </p:cNvPr>
@@ -2286,7 +2286,7 @@
           <p:cNvPr id="4" name="文本占位符 3">
             <a:extLst>
               <a:ext uri="{FF2B5EF4-FFF2-40B4-BE49-F238E27FC236}">
-                <a16:creationId xmlns:a16="http://schemas.microsoft.com/office/drawing/2014/main" id="{ADA495EC-C198-C0E2-2A0A-40B6231D099C}"/>
+                <a16:creationId xmlns:a16="http://schemas.microsoft.com/office/drawing/2014/main" id="{A4F38FDB-354A-2E6B-EC76-446E41640065}"/>
               </a:ext>
             </a:extLst>
           </p:cNvPr>
@@ -2357,7 +2357,7 @@
           <p:cNvPr id="5" name="日期占位符 4">
             <a:extLst>
               <a:ext uri="{FF2B5EF4-FFF2-40B4-BE49-F238E27FC236}">
-                <a16:creationId xmlns:a16="http://schemas.microsoft.com/office/drawing/2014/main" id="{EE0218BC-15F4-71EB-46A2-0A8ABC513D56}"/>
+                <a16:creationId xmlns:a16="http://schemas.microsoft.com/office/drawing/2014/main" id="{C61EFE28-5165-2A69-8546-B167002C0F37}"/>
               </a:ext>
             </a:extLst>
           </p:cNvPr>
@@ -2373,7 +2373,7 @@
           <a:bodyPr/>
           <a:lstStyle/>
           <a:p>
-            <a:fld id="{63536634-E9B7-4B0D-BB5A-A4CF5ADFFC83}" type="datetimeFigureOut">
+            <a:fld id="{7C543B53-56F1-4A01-B750-B7E0CDC13B96}" type="datetimeFigureOut">
               <a:rPr lang="zh-CN" altLang="en-US" smtClean="0"/>
               <a:t>2024/3/10</a:t>
             </a:fld>
@@ -2386,7 +2386,7 @@
           <p:cNvPr id="6" name="页脚占位符 5">
             <a:extLst>
               <a:ext uri="{FF2B5EF4-FFF2-40B4-BE49-F238E27FC236}">
-                <a16:creationId xmlns:a16="http://schemas.microsoft.com/office/drawing/2014/main" id="{C589769C-D1B2-B0C3-0D39-FBE942C72971}"/>
+                <a16:creationId xmlns:a16="http://schemas.microsoft.com/office/drawing/2014/main" id="{FED82C2A-E81B-8CB2-568B-42608E08F88A}"/>
               </a:ext>
             </a:extLst>
           </p:cNvPr>
@@ -2411,7 +2411,7 @@
           <p:cNvPr id="7" name="灯片编号占位符 6">
             <a:extLst>
               <a:ext uri="{FF2B5EF4-FFF2-40B4-BE49-F238E27FC236}">
-                <a16:creationId xmlns:a16="http://schemas.microsoft.com/office/drawing/2014/main" id="{B575EDA0-6787-6C57-4399-C93B6EEAD72F}"/>
+                <a16:creationId xmlns:a16="http://schemas.microsoft.com/office/drawing/2014/main" id="{D643F259-B097-1741-1B59-880FD725E3EC}"/>
               </a:ext>
             </a:extLst>
           </p:cNvPr>
@@ -2427,7 +2427,7 @@
           <a:bodyPr/>
           <a:lstStyle/>
           <a:p>
-            <a:fld id="{B1945D36-B2D9-4469-B311-C89D5C56DB82}" type="slidenum">
+            <a:fld id="{492C9A0C-979C-4ED1-84B7-075BE8CE60D9}" type="slidenum">
               <a:rPr lang="zh-CN" altLang="en-US" smtClean="0"/>
               <a:t>‹#›</a:t>
             </a:fld>
@@ -2438,7 +2438,7 @@
     </p:spTree>
     <p:extLst>
       <p:ext uri="{BB962C8B-B14F-4D97-AF65-F5344CB8AC3E}">
-        <p14:creationId xmlns:p14="http://schemas.microsoft.com/office/powerpoint/2010/main" val="1211076629"/>
+        <p14:creationId xmlns:p14="http://schemas.microsoft.com/office/powerpoint/2010/main" val="3049091774"/>
       </p:ext>
     </p:extLst>
   </p:cSld>
@@ -2470,7 +2470,7 @@
           <p:cNvPr id="2" name="标题 1">
             <a:extLst>
               <a:ext uri="{FF2B5EF4-FFF2-40B4-BE49-F238E27FC236}">
-                <a16:creationId xmlns:a16="http://schemas.microsoft.com/office/drawing/2014/main" id="{C8FD3E43-0FFB-A064-4529-0049E56A687C}"/>
+                <a16:creationId xmlns:a16="http://schemas.microsoft.com/office/drawing/2014/main" id="{02F054D6-C55F-C3BD-6A7F-2B088874D10D}"/>
               </a:ext>
             </a:extLst>
           </p:cNvPr>
@@ -2507,7 +2507,7 @@
           <p:cNvPr id="3" name="图片占位符 2">
             <a:extLst>
               <a:ext uri="{FF2B5EF4-FFF2-40B4-BE49-F238E27FC236}">
-                <a16:creationId xmlns:a16="http://schemas.microsoft.com/office/drawing/2014/main" id="{B419AD2B-F912-C1E2-13A4-5552E702BC38}"/>
+                <a16:creationId xmlns:a16="http://schemas.microsoft.com/office/drawing/2014/main" id="{9238399C-01B3-E0FB-604A-E312900FB955}"/>
               </a:ext>
             </a:extLst>
           </p:cNvPr>
@@ -2574,7 +2574,7 @@
           <p:cNvPr id="4" name="文本占位符 3">
             <a:extLst>
               <a:ext uri="{FF2B5EF4-FFF2-40B4-BE49-F238E27FC236}">
-                <a16:creationId xmlns:a16="http://schemas.microsoft.com/office/drawing/2014/main" id="{ED43C142-C20C-6F47-4A09-D9883DC3B1BC}"/>
+                <a16:creationId xmlns:a16="http://schemas.microsoft.com/office/drawing/2014/main" id="{E6772CFF-129D-CC79-2B61-DF62D52A14EE}"/>
               </a:ext>
             </a:extLst>
           </p:cNvPr>
@@ -2645,7 +2645,7 @@
           <p:cNvPr id="5" name="日期占位符 4">
             <a:extLst>
               <a:ext uri="{FF2B5EF4-FFF2-40B4-BE49-F238E27FC236}">
-                <a16:creationId xmlns:a16="http://schemas.microsoft.com/office/drawing/2014/main" id="{443E1529-6123-885C-47DA-2FFDA369ADCF}"/>
+                <a16:creationId xmlns:a16="http://schemas.microsoft.com/office/drawing/2014/main" id="{9A5EB913-2112-3B12-A1F5-69BCCF79EB9A}"/>
               </a:ext>
             </a:extLst>
           </p:cNvPr>
@@ -2661,7 +2661,7 @@
           <a:bodyPr/>
           <a:lstStyle/>
           <a:p>
-            <a:fld id="{63536634-E9B7-4B0D-BB5A-A4CF5ADFFC83}" type="datetimeFigureOut">
+            <a:fld id="{7C543B53-56F1-4A01-B750-B7E0CDC13B96}" type="datetimeFigureOut">
               <a:rPr lang="zh-CN" altLang="en-US" smtClean="0"/>
               <a:t>2024/3/10</a:t>
             </a:fld>
@@ -2674,7 +2674,7 @@
           <p:cNvPr id="6" name="页脚占位符 5">
             <a:extLst>
               <a:ext uri="{FF2B5EF4-FFF2-40B4-BE49-F238E27FC236}">
-                <a16:creationId xmlns:a16="http://schemas.microsoft.com/office/drawing/2014/main" id="{0753AF3F-8E45-D51C-8B47-0773ED29AA44}"/>
+                <a16:creationId xmlns:a16="http://schemas.microsoft.com/office/drawing/2014/main" id="{416A65B8-7A26-20D7-1763-43F50A47DE66}"/>
               </a:ext>
             </a:extLst>
           </p:cNvPr>
@@ -2699,7 +2699,7 @@
           <p:cNvPr id="7" name="灯片编号占位符 6">
             <a:extLst>
               <a:ext uri="{FF2B5EF4-FFF2-40B4-BE49-F238E27FC236}">
-                <a16:creationId xmlns:a16="http://schemas.microsoft.com/office/drawing/2014/main" id="{1DA2DEE5-2DAB-46C4-084F-FF486C8127AA}"/>
+                <a16:creationId xmlns:a16="http://schemas.microsoft.com/office/drawing/2014/main" id="{5BB108E2-B214-EF1D-5D1F-97E585186BDF}"/>
               </a:ext>
             </a:extLst>
           </p:cNvPr>
@@ -2715,7 +2715,7 @@
           <a:bodyPr/>
           <a:lstStyle/>
           <a:p>
-            <a:fld id="{B1945D36-B2D9-4469-B311-C89D5C56DB82}" type="slidenum">
+            <a:fld id="{492C9A0C-979C-4ED1-84B7-075BE8CE60D9}" type="slidenum">
               <a:rPr lang="zh-CN" altLang="en-US" smtClean="0"/>
               <a:t>‹#›</a:t>
             </a:fld>
@@ -2726,7 +2726,7 @@
     </p:spTree>
     <p:extLst>
       <p:ext uri="{BB962C8B-B14F-4D97-AF65-F5344CB8AC3E}">
-        <p14:creationId xmlns:p14="http://schemas.microsoft.com/office/powerpoint/2010/main" val="2830184426"/>
+        <p14:creationId xmlns:p14="http://schemas.microsoft.com/office/powerpoint/2010/main" val="3616780366"/>
       </p:ext>
     </p:extLst>
   </p:cSld>
@@ -2763,7 +2763,7 @@
           <p:cNvPr id="2" name="标题占位符 1">
             <a:extLst>
               <a:ext uri="{FF2B5EF4-FFF2-40B4-BE49-F238E27FC236}">
-                <a16:creationId xmlns:a16="http://schemas.microsoft.com/office/drawing/2014/main" id="{F7710F5C-2A7C-0C66-DAE2-D27D13B28532}"/>
+                <a16:creationId xmlns:a16="http://schemas.microsoft.com/office/drawing/2014/main" id="{E00B7C50-F1A4-7E9F-F67D-7E63BB1853D2}"/>
               </a:ext>
             </a:extLst>
           </p:cNvPr>
@@ -2801,7 +2801,7 @@
           <p:cNvPr id="3" name="文本占位符 2">
             <a:extLst>
               <a:ext uri="{FF2B5EF4-FFF2-40B4-BE49-F238E27FC236}">
-                <a16:creationId xmlns:a16="http://schemas.microsoft.com/office/drawing/2014/main" id="{2EC0791F-41CC-0108-CFD0-A302238EAFF1}"/>
+                <a16:creationId xmlns:a16="http://schemas.microsoft.com/office/drawing/2014/main" id="{B2FA97B6-8807-D18C-23A0-176873BC3216}"/>
               </a:ext>
             </a:extLst>
           </p:cNvPr>
@@ -2868,7 +2868,7 @@
           <p:cNvPr id="4" name="日期占位符 3">
             <a:extLst>
               <a:ext uri="{FF2B5EF4-FFF2-40B4-BE49-F238E27FC236}">
-                <a16:creationId xmlns:a16="http://schemas.microsoft.com/office/drawing/2014/main" id="{0D929CC6-D125-BAF1-66AA-E51FB91A78AD}"/>
+                <a16:creationId xmlns:a16="http://schemas.microsoft.com/office/drawing/2014/main" id="{D760B54E-650B-D58E-6F9B-3BAFB6D13569}"/>
               </a:ext>
             </a:extLst>
           </p:cNvPr>
@@ -2902,7 +2902,7 @@
             </a:lvl1pPr>
           </a:lstStyle>
           <a:p>
-            <a:fld id="{63536634-E9B7-4B0D-BB5A-A4CF5ADFFC83}" type="datetimeFigureOut">
+            <a:fld id="{7C543B53-56F1-4A01-B750-B7E0CDC13B96}" type="datetimeFigureOut">
               <a:rPr lang="zh-CN" altLang="en-US" smtClean="0"/>
               <a:t>2024/3/10</a:t>
             </a:fld>
@@ -2915,7 +2915,7 @@
           <p:cNvPr id="5" name="页脚占位符 4">
             <a:extLst>
               <a:ext uri="{FF2B5EF4-FFF2-40B4-BE49-F238E27FC236}">
-                <a16:creationId xmlns:a16="http://schemas.microsoft.com/office/drawing/2014/main" id="{B885305C-EDCA-DF10-6B91-D3BC4FB980BF}"/>
+                <a16:creationId xmlns:a16="http://schemas.microsoft.com/office/drawing/2014/main" id="{63EB5873-798B-FE4E-5DB9-27EFEC449C62}"/>
               </a:ext>
             </a:extLst>
           </p:cNvPr>
@@ -2958,7 +2958,7 @@
           <p:cNvPr id="6" name="灯片编号占位符 5">
             <a:extLst>
               <a:ext uri="{FF2B5EF4-FFF2-40B4-BE49-F238E27FC236}">
-                <a16:creationId xmlns:a16="http://schemas.microsoft.com/office/drawing/2014/main" id="{2A42DF63-8A88-887C-5B28-34935913E40A}"/>
+                <a16:creationId xmlns:a16="http://schemas.microsoft.com/office/drawing/2014/main" id="{B8914E24-84AD-4C4D-30D3-413E7E238977}"/>
               </a:ext>
             </a:extLst>
           </p:cNvPr>
@@ -2992,7 +2992,7 @@
             </a:lvl1pPr>
           </a:lstStyle>
           <a:p>
-            <a:fld id="{B1945D36-B2D9-4469-B311-C89D5C56DB82}" type="slidenum">
+            <a:fld id="{492C9A0C-979C-4ED1-84B7-075BE8CE60D9}" type="slidenum">
               <a:rPr lang="zh-CN" altLang="en-US" smtClean="0"/>
               <a:t>‹#›</a:t>
             </a:fld>
@@ -3003,7 +3003,7 @@
     </p:spTree>
     <p:extLst>
       <p:ext uri="{BB962C8B-B14F-4D97-AF65-F5344CB8AC3E}">
-        <p14:creationId xmlns:p14="http://schemas.microsoft.com/office/powerpoint/2010/main" val="1928207218"/>
+        <p14:creationId xmlns:p14="http://schemas.microsoft.com/office/powerpoint/2010/main" val="1962009585"/>
       </p:ext>
     </p:extLst>
   </p:cSld>
